--- a/reports/group-6-assignment-5.pptx
+++ b/reports/group-6-assignment-5.pptx
@@ -578,7 +578,7 @@
           <a:p>
             <a:fld id="{DDA51639-B2D6-4652-B8C3-1B4C224A7BAF}" type="datetimeFigureOut">
               <a:rPr lang="en-US" dirty="0"/>
-              <a:t>12/6/2020</a:t>
+              <a:t>12/7/2020</a:t>
             </a:fld>
             <a:endParaRPr lang="en-US" dirty="0"/>
           </a:p>
@@ -776,7 +776,7 @@
           <a:p>
             <a:fld id="{D11A6AA8-A04B-4104-9AE2-BD48D340E27F}" type="datetimeFigureOut">
               <a:rPr lang="en-US" dirty="0"/>
-              <a:t>12/6/2020</a:t>
+              <a:t>12/7/2020</a:t>
             </a:fld>
             <a:endParaRPr lang="en-US" dirty="0"/>
           </a:p>
@@ -951,7 +951,7 @@
           <a:p>
             <a:fld id="{B4E0BF79-FAC6-4A96-8DE1-F7B82E2E1652}" type="datetimeFigureOut">
               <a:rPr lang="en-US" dirty="0"/>
-              <a:t>12/6/2020</a:t>
+              <a:t>12/7/2020</a:t>
             </a:fld>
             <a:endParaRPr lang="en-US" dirty="0"/>
           </a:p>
@@ -1116,7 +1116,7 @@
           <a:p>
             <a:fld id="{82FF5DD9-2C52-442D-92E2-8072C0C3D7CD}" type="datetimeFigureOut">
               <a:rPr lang="en-US" dirty="0"/>
-              <a:t>12/6/2020</a:t>
+              <a:t>12/7/2020</a:t>
             </a:fld>
             <a:endParaRPr lang="en-US" dirty="0"/>
           </a:p>
@@ -1683,7 +1683,7 @@
           <a:p>
             <a:fld id="{C44961B7-6B89-48AB-966F-622E2788EECC}" type="datetimeFigureOut">
               <a:rPr lang="en-US" dirty="0"/>
-              <a:t>12/6/2020</a:t>
+              <a:t>12/7/2020</a:t>
             </a:fld>
             <a:endParaRPr lang="en-US" dirty="0"/>
           </a:p>
@@ -1980,7 +1980,7 @@
           <a:p>
             <a:fld id="{DBD3D6FB-79CC-4683-A046-BBE785BA1BED}" type="datetimeFigureOut">
               <a:rPr lang="en-US" dirty="0"/>
-              <a:t>12/6/2020</a:t>
+              <a:t>12/7/2020</a:t>
             </a:fld>
             <a:endParaRPr lang="en-US" dirty="0"/>
           </a:p>
@@ -2412,7 +2412,7 @@
           <a:p>
             <a:fld id="{9512B3E8-48F1-4B23-8498-D8A04A81EC9C}" type="datetimeFigureOut">
               <a:rPr lang="en-US" dirty="0"/>
-              <a:t>12/6/2020</a:t>
+              <a:t>12/7/2020</a:t>
             </a:fld>
             <a:endParaRPr lang="en-US" dirty="0"/>
           </a:p>
@@ -2525,7 +2525,7 @@
           <a:p>
             <a:fld id="{10B90D90-AA62-404D-A741-635B4370F9CB}" type="datetimeFigureOut">
               <a:rPr lang="en-US" dirty="0"/>
-              <a:t>12/6/2020</a:t>
+              <a:t>12/7/2020</a:t>
             </a:fld>
             <a:endParaRPr lang="en-US" dirty="0"/>
           </a:p>
@@ -2615,7 +2615,7 @@
           <a:p>
             <a:fld id="{A57002E4-6836-46D1-9DBB-3C27C0DD3A89}" type="datetimeFigureOut">
               <a:rPr lang="en-US" dirty="0"/>
-              <a:t>12/6/2020</a:t>
+              <a:t>12/7/2020</a:t>
             </a:fld>
             <a:endParaRPr lang="en-US" dirty="0"/>
           </a:p>
@@ -2992,7 +2992,7 @@
           <a:p>
             <a:fld id="{1CF131DD-A141-4471-BCF9-C6073EDD7E20}" type="datetimeFigureOut">
               <a:rPr lang="en-US" dirty="0"/>
-              <a:t>12/6/2020</a:t>
+              <a:t>12/7/2020</a:t>
             </a:fld>
             <a:endParaRPr lang="en-US" dirty="0"/>
           </a:p>
@@ -3382,7 +3382,7 @@
           <a:p>
             <a:fld id="{AB334A90-EB03-42F3-8859-2C2B2724C058}" type="datetimeFigureOut">
               <a:rPr lang="en-US" dirty="0"/>
-              <a:t>12/6/2020</a:t>
+              <a:t>12/7/2020</a:t>
             </a:fld>
             <a:endParaRPr lang="en-US" dirty="0"/>
           </a:p>
@@ -3691,7 +3691,7 @@
           <a:p>
             <a:fld id="{CBC48EC7-AF6A-48D3-8284-14BACBEBDD84}" type="datetimeFigureOut">
               <a:rPr lang="en-US" dirty="0"/>
-              <a:t>12/6/2020</a:t>
+              <a:t>12/7/2020</a:t>
             </a:fld>
             <a:endParaRPr lang="en-US" dirty="0"/>
           </a:p>
@@ -4178,9 +4178,10 @@
           <a:lstStyle/>
           <a:p>
             <a:r>
-              <a:rPr lang="en-TR" sz="4400" dirty="0"/>
-              <a:t>Data exploratıon results</a:t>
-            </a:r>
+              <a:rPr lang="en-IN" sz="4400" dirty="0"/>
+              <a:t>FEATURE SELECTION</a:t>
+            </a:r>
+            <a:endParaRPr lang="en-TR" sz="4400" dirty="0"/>
           </a:p>
         </p:txBody>
       </p:sp>
@@ -4297,7 +4298,7 @@
             </a:r>
             <a:r>
               <a:rPr lang="en-IN" dirty="0"/>
-              <a:t>6</a:t>
+              <a:t>8</a:t>
             </a:r>
             <a:r>
               <a:rPr lang="en-TR" dirty="0"/>
@@ -4572,8 +4573,13 @@
             <a:pPr algn="r"/>
             <a:r>
               <a:rPr lang="en-TR" b="1" dirty="0"/>
-              <a:t>Assignment 3</a:t>
-            </a:r>
+              <a:t>Assignment </a:t>
+            </a:r>
+            <a:r>
+              <a:rPr lang="en-IN" b="1" dirty="0"/>
+              <a:t>5</a:t>
+            </a:r>
+            <a:endParaRPr lang="en-TR" b="1" dirty="0"/>
           </a:p>
         </p:txBody>
       </p:sp>
@@ -5297,8 +5303,8 @@
         </p:nvSpPr>
         <p:spPr>
           <a:xfrm>
-            <a:off x="1066800" y="2645546"/>
-            <a:ext cx="9320074" cy="3389494"/>
+            <a:off x="1066799" y="2645546"/>
+            <a:ext cx="4944895" cy="3389494"/>
           </a:xfrm>
         </p:spPr>
         <p:txBody>
@@ -5343,6 +5349,53 @@
           </a:p>
         </p:txBody>
       </p:sp>
+      <p:pic>
+        <p:nvPicPr>
+          <p:cNvPr id="1030" name="Picture 6">
+            <a:extLst>
+              <a:ext uri="{FF2B5EF4-FFF2-40B4-BE49-F238E27FC236}">
+                <a16:creationId xmlns:a16="http://schemas.microsoft.com/office/drawing/2014/main" id="{FD9F9669-C22F-4B24-B9D1-89DF43B51365}"/>
+              </a:ext>
+            </a:extLst>
+          </p:cNvPr>
+          <p:cNvPicPr>
+            <a:picLocks noChangeAspect="1" noChangeArrowheads="1"/>
+          </p:cNvPicPr>
+          <p:nvPr/>
+        </p:nvPicPr>
+        <p:blipFill>
+          <a:blip r:embed="rId2">
+            <a:extLst>
+              <a:ext uri="{28A0092B-C50C-407E-A947-70E740481C1C}">
+                <a14:useLocalDpi xmlns:a14="http://schemas.microsoft.com/office/drawing/2010/main" val="0"/>
+              </a:ext>
+            </a:extLst>
+          </a:blip>
+          <a:srcRect/>
+          <a:stretch>
+            <a:fillRect/>
+          </a:stretch>
+        </p:blipFill>
+        <p:spPr bwMode="auto">
+          <a:xfrm>
+            <a:off x="6096000" y="2432761"/>
+            <a:ext cx="5330757" cy="4356578"/>
+          </a:xfrm>
+          <a:prstGeom prst="rect">
+            <a:avLst/>
+          </a:prstGeom>
+          <a:noFill/>
+          <a:extLst>
+            <a:ext uri="{909E8E84-426E-40DD-AFC4-6F175D3DCCD1}">
+              <a14:hiddenFill xmlns:a14="http://schemas.microsoft.com/office/drawing/2010/main">
+                <a:solidFill>
+                  <a:srgbClr val="FFFFFF"/>
+                </a:solidFill>
+              </a14:hiddenFill>
+            </a:ext>
+          </a:extLst>
+        </p:spPr>
+      </p:pic>
     </p:spTree>
     <p:extLst>
       <p:ext uri="{BB962C8B-B14F-4D97-AF65-F5344CB8AC3E}">

--- a/reports/group-6-assignment-5.pptx
+++ b/reports/group-6-assignment-5.pptx
@@ -5536,17 +5536,17 @@
           <a:p>
             <a:r>
               <a:rPr lang="en-US" sz="1600" dirty="0"/>
-              <a:t>The features that have correlation higher than 0.1 or less than -0.1 with profit and profitability ratio are selected.</a:t>
+              <a:t>The features that have correlation higher than 0.04 or less than -0.04 with profit and profitability ratio are selected.</a:t>
             </a:r>
           </a:p>
         </p:txBody>
       </p:sp>
       <p:pic>
         <p:nvPicPr>
-          <p:cNvPr id="4" name="Picture 3">
+          <p:cNvPr id="5" name="Picture 4">
             <a:extLst>
               <a:ext uri="{FF2B5EF4-FFF2-40B4-BE49-F238E27FC236}">
-                <a16:creationId xmlns:a16="http://schemas.microsoft.com/office/drawing/2014/main" id="{E7B712B4-FFD5-403B-8D4A-9AF853ACEE2B}"/>
+                <a16:creationId xmlns:a16="http://schemas.microsoft.com/office/drawing/2014/main" id="{2DCD61E8-E9A4-4CB4-B710-F9E362534D23}"/>
               </a:ext>
             </a:extLst>
           </p:cNvPr>
@@ -5563,8 +5563,8 @@
         </p:blipFill>
         <p:spPr>
           <a:xfrm>
-            <a:off x="1305026" y="4634763"/>
-            <a:ext cx="6391275" cy="1314450"/>
+            <a:off x="1303913" y="4709847"/>
+            <a:ext cx="6743700" cy="1266825"/>
           </a:xfrm>
           <a:prstGeom prst="rect">
             <a:avLst/>
